--- a/Semana 3/Clase3.pptx
+++ b/Semana 3/Clase3.pptx
@@ -18190,7 +18190,6 @@
               <a:rPr lang="es-CR" dirty="0"/>
               <a:t>Agenda</a:t>
             </a:r>
-            <a:endParaRPr lang="es-CR" dirty="0"/>
           </a:p>
         </p:txBody>
       </p:sp>
@@ -23288,7 +23287,7 @@
               <a:rPr lang="es-CR" sz="2400" b="1" dirty="0">
                 <a:sym typeface="Arial"/>
               </a:rPr>
-              <a:t>Integridad de dominio.</a:t>
+              <a:t>Integridad de clave.</a:t>
             </a:r>
           </a:p>
           <a:p>
